--- a/~2022-10-31 1인프로젝트/설계서/디자인 계획서_MVP-최동영.pptx
+++ b/~2022-10-31 1인프로젝트/설계서/디자인 계획서_MVP-최동영.pptx
@@ -8,6 +8,12 @@
     <p:sldId id="256" r:id="rId2"/>
     <p:sldId id="257" r:id="rId3"/>
     <p:sldId id="258" r:id="rId4"/>
+    <p:sldId id="264" r:id="rId5"/>
+    <p:sldId id="259" r:id="rId6"/>
+    <p:sldId id="260" r:id="rId7"/>
+    <p:sldId id="261" r:id="rId8"/>
+    <p:sldId id="262" r:id="rId9"/>
+    <p:sldId id="263" r:id="rId10"/>
   </p:sldIdLst>
   <p:sldSz cx="12192000" cy="6858000"/>
   <p:notesSz cx="6858000" cy="9144000"/>
@@ -118,9 +124,38 @@
           <p14:sldIdLst>
             <p14:sldId id="257"/>
             <p14:sldId id="258"/>
+            <p14:sldId id="264"/>
+          </p14:sldIdLst>
+        </p14:section>
+        <p14:section name="Main" id="{9F05B2A3-5A42-433C-8585-5CC6A59ED08A}">
+          <p14:sldIdLst>
+            <p14:sldId id="259"/>
+          </p14:sldIdLst>
+        </p14:section>
+        <p14:section name="SiteMap" id="{7400FF5F-A16D-4DAC-BAB1-5E033CE9C0DF}">
+          <p14:sldIdLst>
+            <p14:sldId id="260"/>
+          </p14:sldIdLst>
+        </p14:section>
+        <p14:section name="Notice" id="{C6215EA6-A788-4B10-9B59-A984CF413864}">
+          <p14:sldIdLst>
+            <p14:sldId id="261"/>
+          </p14:sldIdLst>
+        </p14:section>
+        <p14:section name="ScoolMeal" id="{C37D7EFE-9FD8-4B90-8DB4-C73428632F86}">
+          <p14:sldIdLst>
+            <p14:sldId id="262"/>
+          </p14:sldIdLst>
+        </p14:section>
+        <p14:section name="Board-Detail" id="{F6B77983-6C44-4B9A-84CA-915EBC0F1C3F}">
+          <p14:sldIdLst>
+            <p14:sldId id="263"/>
           </p14:sldIdLst>
         </p14:section>
       </p14:sectionLst>
+    </p:ext>
+    <p:ext uri="{EFAFB233-063F-42B5-8137-9DF3F51BA10A}">
+      <p15:sldGuideLst xmlns:p15="http://schemas.microsoft.com/office/powerpoint/2012/main"/>
     </p:ext>
   </p:extLst>
 </p:presentation>
@@ -273,7 +308,7 @@
           <a:p>
             <a:fld id="{10A8668C-386F-4F13-A727-C8FF73B49FBE}" type="datetimeFigureOut">
               <a:rPr lang="ko-KR" altLang="en-US" smtClean="0"/>
-              <a:t>2022-10-06</a:t>
+              <a:t>2022-10-07</a:t>
             </a:fld>
             <a:endParaRPr lang="ko-KR" altLang="en-US"/>
           </a:p>
@@ -471,7 +506,7 @@
           <a:p>
             <a:fld id="{10A8668C-386F-4F13-A727-C8FF73B49FBE}" type="datetimeFigureOut">
               <a:rPr lang="ko-KR" altLang="en-US" smtClean="0"/>
-              <a:t>2022-10-06</a:t>
+              <a:t>2022-10-07</a:t>
             </a:fld>
             <a:endParaRPr lang="ko-KR" altLang="en-US"/>
           </a:p>
@@ -679,7 +714,7 @@
           <a:p>
             <a:fld id="{10A8668C-386F-4F13-A727-C8FF73B49FBE}" type="datetimeFigureOut">
               <a:rPr lang="ko-KR" altLang="en-US" smtClean="0"/>
-              <a:t>2022-10-06</a:t>
+              <a:t>2022-10-07</a:t>
             </a:fld>
             <a:endParaRPr lang="ko-KR" altLang="en-US"/>
           </a:p>
@@ -877,7 +912,7 @@
           <a:p>
             <a:fld id="{10A8668C-386F-4F13-A727-C8FF73B49FBE}" type="datetimeFigureOut">
               <a:rPr lang="ko-KR" altLang="en-US" smtClean="0"/>
-              <a:t>2022-10-06</a:t>
+              <a:t>2022-10-07</a:t>
             </a:fld>
             <a:endParaRPr lang="ko-KR" altLang="en-US"/>
           </a:p>
@@ -1152,7 +1187,7 @@
           <a:p>
             <a:fld id="{10A8668C-386F-4F13-A727-C8FF73B49FBE}" type="datetimeFigureOut">
               <a:rPr lang="ko-KR" altLang="en-US" smtClean="0"/>
-              <a:t>2022-10-06</a:t>
+              <a:t>2022-10-07</a:t>
             </a:fld>
             <a:endParaRPr lang="ko-KR" altLang="en-US"/>
           </a:p>
@@ -1417,7 +1452,7 @@
           <a:p>
             <a:fld id="{10A8668C-386F-4F13-A727-C8FF73B49FBE}" type="datetimeFigureOut">
               <a:rPr lang="ko-KR" altLang="en-US" smtClean="0"/>
-              <a:t>2022-10-06</a:t>
+              <a:t>2022-10-07</a:t>
             </a:fld>
             <a:endParaRPr lang="ko-KR" altLang="en-US"/>
           </a:p>
@@ -1829,7 +1864,7 @@
           <a:p>
             <a:fld id="{10A8668C-386F-4F13-A727-C8FF73B49FBE}" type="datetimeFigureOut">
               <a:rPr lang="ko-KR" altLang="en-US" smtClean="0"/>
-              <a:t>2022-10-06</a:t>
+              <a:t>2022-10-07</a:t>
             </a:fld>
             <a:endParaRPr lang="ko-KR" altLang="en-US"/>
           </a:p>
@@ -1970,7 +2005,7 @@
           <a:p>
             <a:fld id="{10A8668C-386F-4F13-A727-C8FF73B49FBE}" type="datetimeFigureOut">
               <a:rPr lang="ko-KR" altLang="en-US" smtClean="0"/>
-              <a:t>2022-10-06</a:t>
+              <a:t>2022-10-07</a:t>
             </a:fld>
             <a:endParaRPr lang="ko-KR" altLang="en-US"/>
           </a:p>
@@ -2083,7 +2118,7 @@
           <a:p>
             <a:fld id="{10A8668C-386F-4F13-A727-C8FF73B49FBE}" type="datetimeFigureOut">
               <a:rPr lang="ko-KR" altLang="en-US" smtClean="0"/>
-              <a:t>2022-10-06</a:t>
+              <a:t>2022-10-07</a:t>
             </a:fld>
             <a:endParaRPr lang="ko-KR" altLang="en-US"/>
           </a:p>
@@ -2394,7 +2429,7 @@
           <a:p>
             <a:fld id="{10A8668C-386F-4F13-A727-C8FF73B49FBE}" type="datetimeFigureOut">
               <a:rPr lang="ko-KR" altLang="en-US" smtClean="0"/>
-              <a:t>2022-10-06</a:t>
+              <a:t>2022-10-07</a:t>
             </a:fld>
             <a:endParaRPr lang="ko-KR" altLang="en-US"/>
           </a:p>
@@ -2682,7 +2717,7 @@
           <a:p>
             <a:fld id="{10A8668C-386F-4F13-A727-C8FF73B49FBE}" type="datetimeFigureOut">
               <a:rPr lang="ko-KR" altLang="en-US" smtClean="0"/>
-              <a:t>2022-10-06</a:t>
+              <a:t>2022-10-07</a:t>
             </a:fld>
             <a:endParaRPr lang="ko-KR" altLang="en-US"/>
           </a:p>
@@ -2923,7 +2958,7 @@
           <a:p>
             <a:fld id="{10A8668C-386F-4F13-A727-C8FF73B49FBE}" type="datetimeFigureOut">
               <a:rPr lang="ko-KR" altLang="en-US" smtClean="0"/>
-              <a:t>2022-10-06</a:t>
+              <a:t>2022-10-07</a:t>
             </a:fld>
             <a:endParaRPr lang="ko-KR" altLang="en-US"/>
           </a:p>
@@ -3714,7 +3749,7 @@
           <p:nvPr>
             <p:extLst>
               <p:ext uri="{D42A27DB-BD31-4B8C-83A1-F6EECF244321}">
-                <p14:modId xmlns:p14="http://schemas.microsoft.com/office/powerpoint/2010/main" val="4042825865"/>
+                <p14:modId xmlns:p14="http://schemas.microsoft.com/office/powerpoint/2010/main" val="1316110842"/>
               </p:ext>
             </p:extLst>
           </p:nvPr>
@@ -3831,6 +3866,7 @@
                         <a:rPr lang="ko-KR" altLang="en-US" sz="1200" dirty="0"/>
                         <a:t> 설계한다</a:t>
                       </a:r>
+                      <a:endParaRPr lang="en-US" altLang="ko-KR" sz="1200" dirty="0"/>
                     </a:p>
                   </a:txBody>
                   <a:tcPr anchor="ctr"/>
@@ -4275,6 +4311,704 @@
     <p:extLst>
       <p:ext uri="{BB962C8B-B14F-4D97-AF65-F5344CB8AC3E}">
         <p14:creationId xmlns:p14="http://schemas.microsoft.com/office/powerpoint/2010/main" val="4231722995"/>
+      </p:ext>
+    </p:extLst>
+  </p:cSld>
+  <p:clrMapOvr>
+    <a:masterClrMapping/>
+  </p:clrMapOvr>
+</p:sld>
+</file>
+
+<file path=ppt/slides/slide4.xml><?xml version="1.0" encoding="utf-8"?>
+<p:sld xmlns:a="http://schemas.openxmlformats.org/drawingml/2006/main" xmlns:r="http://schemas.openxmlformats.org/officeDocument/2006/relationships" xmlns:p="http://schemas.openxmlformats.org/presentationml/2006/main">
+  <p:cSld>
+    <p:spTree>
+      <p:nvGrpSpPr>
+        <p:cNvPr id="1" name=""/>
+        <p:cNvGrpSpPr/>
+        <p:nvPr/>
+      </p:nvGrpSpPr>
+      <p:grpSpPr>
+        <a:xfrm>
+          <a:off x="0" y="0"/>
+          <a:ext cx="0" cy="0"/>
+          <a:chOff x="0" y="0"/>
+          <a:chExt cx="0" cy="0"/>
+        </a:xfrm>
+      </p:grpSpPr>
+      <p:sp>
+        <p:nvSpPr>
+          <p:cNvPr id="2" name="제목 1">
+            <a:extLst>
+              <a:ext uri="{FF2B5EF4-FFF2-40B4-BE49-F238E27FC236}">
+                <a16:creationId xmlns:a16="http://schemas.microsoft.com/office/drawing/2014/main" id="{7B022394-AEEA-C4A0-37F7-61AC7BA46D0B}"/>
+              </a:ext>
+            </a:extLst>
+          </p:cNvPr>
+          <p:cNvSpPr>
+            <a:spLocks noGrp="1"/>
+          </p:cNvSpPr>
+          <p:nvPr>
+            <p:ph type="title"/>
+          </p:nvPr>
+        </p:nvSpPr>
+        <p:spPr/>
+        <p:txBody>
+          <a:bodyPr/>
+          <a:lstStyle/>
+          <a:p>
+            <a:r>
+              <a:rPr lang="ko-KR" altLang="en-US" dirty="0"/>
+              <a:t>그 외 추가 공통 요소</a:t>
+            </a:r>
+          </a:p>
+        </p:txBody>
+      </p:sp>
+      <p:sp>
+        <p:nvSpPr>
+          <p:cNvPr id="3" name="내용 개체 틀 2">
+            <a:extLst>
+              <a:ext uri="{FF2B5EF4-FFF2-40B4-BE49-F238E27FC236}">
+                <a16:creationId xmlns:a16="http://schemas.microsoft.com/office/drawing/2014/main" id="{FAF88AB9-B00F-5327-9FC0-A0C629004F1D}"/>
+              </a:ext>
+            </a:extLst>
+          </p:cNvPr>
+          <p:cNvSpPr>
+            <a:spLocks noGrp="1"/>
+          </p:cNvSpPr>
+          <p:nvPr>
+            <p:ph idx="1"/>
+          </p:nvPr>
+        </p:nvSpPr>
+        <p:spPr/>
+        <p:txBody>
+          <a:bodyPr>
+            <a:normAutofit/>
+          </a:bodyPr>
+          <a:lstStyle/>
+          <a:p>
+            <a:pPr>
+              <a:lnSpc>
+                <a:spcPct val="200000"/>
+              </a:lnSpc>
+            </a:pPr>
+            <a:r>
+              <a:rPr lang="ko-KR" altLang="en-US" dirty="0">
+                <a:solidFill>
+                  <a:srgbClr val="FF0000"/>
+                </a:solidFill>
+              </a:rPr>
+              <a:t>반응형 디자인 </a:t>
+            </a:r>
+            <a:r>
+              <a:rPr lang="en-US" altLang="ko-KR" dirty="0">
+                <a:solidFill>
+                  <a:srgbClr val="FF0000"/>
+                </a:solidFill>
+              </a:rPr>
+              <a:t>CSS</a:t>
+            </a:r>
+            <a:r>
+              <a:rPr lang="ko-KR" altLang="en-US" dirty="0"/>
+              <a:t>는 프로그래밍 단계에서 구현</a:t>
+            </a:r>
+            <a:endParaRPr lang="en-US" altLang="ko-KR" dirty="0"/>
+          </a:p>
+          <a:p>
+            <a:pPr>
+              <a:lnSpc>
+                <a:spcPct val="200000"/>
+              </a:lnSpc>
+            </a:pPr>
+            <a:r>
+              <a:rPr lang="ko-KR" altLang="en-US" dirty="0">
+                <a:solidFill>
+                  <a:srgbClr val="FF0000"/>
+                </a:solidFill>
+              </a:rPr>
+              <a:t>상세 디자인</a:t>
+            </a:r>
+            <a:r>
+              <a:rPr lang="en-US" altLang="ko-KR" dirty="0">
+                <a:solidFill>
+                  <a:srgbClr val="FF0000"/>
+                </a:solidFill>
+              </a:rPr>
+              <a:t>(</a:t>
+            </a:r>
+            <a:r>
+              <a:rPr lang="ko-KR" altLang="en-US" dirty="0">
+                <a:solidFill>
+                  <a:srgbClr val="FF0000"/>
+                </a:solidFill>
+              </a:rPr>
+              <a:t>색상</a:t>
+            </a:r>
+            <a:r>
+              <a:rPr lang="en-US" altLang="ko-KR" dirty="0">
+                <a:solidFill>
+                  <a:srgbClr val="FF0000"/>
+                </a:solidFill>
+              </a:rPr>
+              <a:t>, </a:t>
+            </a:r>
+            <a:r>
+              <a:rPr lang="ko-KR" altLang="en-US" dirty="0">
+                <a:solidFill>
+                  <a:srgbClr val="FF0000"/>
+                </a:solidFill>
+              </a:rPr>
+              <a:t>이미지</a:t>
+            </a:r>
+            <a:r>
+              <a:rPr lang="en-US" altLang="ko-KR" dirty="0">
+                <a:solidFill>
+                  <a:srgbClr val="FF0000"/>
+                </a:solidFill>
+              </a:rPr>
+              <a:t>, </a:t>
+            </a:r>
+            <a:r>
+              <a:rPr lang="ko-KR" altLang="en-US" dirty="0">
+                <a:solidFill>
+                  <a:srgbClr val="FF0000"/>
+                </a:solidFill>
+              </a:rPr>
+              <a:t>등등</a:t>
+            </a:r>
+            <a:r>
+              <a:rPr lang="en-US" altLang="ko-KR" dirty="0">
+                <a:solidFill>
+                  <a:srgbClr val="FF0000"/>
+                </a:solidFill>
+              </a:rPr>
+              <a:t>)</a:t>
+            </a:r>
+            <a:r>
+              <a:rPr lang="ko-KR" altLang="en-US" dirty="0"/>
+              <a:t>은 프로그래밍 단계에서 구현</a:t>
+            </a:r>
+            <a:endParaRPr lang="en-US" altLang="ko-KR" dirty="0"/>
+          </a:p>
+          <a:p>
+            <a:pPr>
+              <a:lnSpc>
+                <a:spcPct val="110000"/>
+              </a:lnSpc>
+            </a:pPr>
+            <a:r>
+              <a:rPr lang="ko-KR" altLang="en-US" dirty="0"/>
+              <a:t>디자인 설계 파일 세부 내용은</a:t>
+            </a:r>
+            <a:r>
+              <a:rPr lang="en-US" altLang="ko-KR" dirty="0">
+                <a:hlinkClick r:id="rId2"/>
+              </a:rPr>
+              <a:t>https://www.figma.com/file/hDNI8OuLR3dXdGNM82tGVa/Project?node-id=22%3A29</a:t>
+            </a:r>
+            <a:r>
+              <a:rPr lang="en-US" altLang="ko-KR" dirty="0"/>
+              <a:t> </a:t>
+            </a:r>
+          </a:p>
+          <a:p>
+            <a:pPr marL="0" indent="0">
+              <a:lnSpc>
+                <a:spcPct val="110000"/>
+              </a:lnSpc>
+              <a:buNone/>
+            </a:pPr>
+            <a:r>
+              <a:rPr lang="en-US" altLang="ko-KR" dirty="0"/>
+              <a:t> </a:t>
+            </a:r>
+            <a:r>
+              <a:rPr lang="ko-KR" altLang="en-US" dirty="0"/>
+              <a:t>에서 확인 가능</a:t>
+            </a:r>
+            <a:endParaRPr lang="en-US" altLang="ko-KR" dirty="0"/>
+          </a:p>
+        </p:txBody>
+      </p:sp>
+    </p:spTree>
+    <p:extLst>
+      <p:ext uri="{BB962C8B-B14F-4D97-AF65-F5344CB8AC3E}">
+        <p14:creationId xmlns:p14="http://schemas.microsoft.com/office/powerpoint/2010/main" val="4215382722"/>
+      </p:ext>
+    </p:extLst>
+  </p:cSld>
+  <p:clrMapOvr>
+    <a:masterClrMapping/>
+  </p:clrMapOvr>
+</p:sld>
+</file>
+
+<file path=ppt/slides/slide5.xml><?xml version="1.0" encoding="utf-8"?>
+<p:sld xmlns:a="http://schemas.openxmlformats.org/drawingml/2006/main" xmlns:r="http://schemas.openxmlformats.org/officeDocument/2006/relationships" xmlns:p="http://schemas.openxmlformats.org/presentationml/2006/main">
+  <p:cSld>
+    <p:spTree>
+      <p:nvGrpSpPr>
+        <p:cNvPr id="1" name=""/>
+        <p:cNvGrpSpPr/>
+        <p:nvPr/>
+      </p:nvGrpSpPr>
+      <p:grpSpPr>
+        <a:xfrm>
+          <a:off x="0" y="0"/>
+          <a:ext cx="0" cy="0"/>
+          <a:chOff x="0" y="0"/>
+          <a:chExt cx="0" cy="0"/>
+        </a:xfrm>
+      </p:grpSpPr>
+      <p:pic>
+        <p:nvPicPr>
+          <p:cNvPr id="3" name="그림 2">
+            <a:extLst>
+              <a:ext uri="{FF2B5EF4-FFF2-40B4-BE49-F238E27FC236}">
+                <a16:creationId xmlns:a16="http://schemas.microsoft.com/office/drawing/2014/main" id="{081E85CE-0856-1BB5-C5A5-FED9777387EA}"/>
+              </a:ext>
+            </a:extLst>
+          </p:cNvPr>
+          <p:cNvPicPr>
+            <a:picLocks noChangeAspect="1"/>
+          </p:cNvPicPr>
+          <p:nvPr/>
+        </p:nvPicPr>
+        <p:blipFill>
+          <a:blip r:embed="rId2"/>
+          <a:stretch>
+            <a:fillRect/>
+          </a:stretch>
+        </p:blipFill>
+        <p:spPr>
+          <a:xfrm>
+            <a:off x="838200" y="1400174"/>
+            <a:ext cx="8181975" cy="5259841"/>
+          </a:xfrm>
+          <a:prstGeom prst="rect">
+            <a:avLst/>
+          </a:prstGeom>
+        </p:spPr>
+      </p:pic>
+      <p:sp>
+        <p:nvSpPr>
+          <p:cNvPr id="4" name="제목 3">
+            <a:extLst>
+              <a:ext uri="{FF2B5EF4-FFF2-40B4-BE49-F238E27FC236}">
+                <a16:creationId xmlns:a16="http://schemas.microsoft.com/office/drawing/2014/main" id="{A135178F-B38C-9F03-B133-BFBBA0B6377F}"/>
+              </a:ext>
+            </a:extLst>
+          </p:cNvPr>
+          <p:cNvSpPr>
+            <a:spLocks noGrp="1"/>
+          </p:cNvSpPr>
+          <p:nvPr>
+            <p:ph type="title"/>
+          </p:nvPr>
+        </p:nvSpPr>
+        <p:spPr>
+          <a:xfrm>
+            <a:off x="838200" y="365125"/>
+            <a:ext cx="6619875" cy="882649"/>
+          </a:xfrm>
+        </p:spPr>
+        <p:txBody>
+          <a:bodyPr/>
+          <a:lstStyle/>
+          <a:p>
+            <a:r>
+              <a:rPr lang="en-US" altLang="ko-KR" dirty="0"/>
+              <a:t>Main</a:t>
+            </a:r>
+            <a:r>
+              <a:rPr lang="ko-KR" altLang="en-US" dirty="0"/>
+              <a:t>화면 디자인 설계</a:t>
+            </a:r>
+          </a:p>
+        </p:txBody>
+      </p:sp>
+    </p:spTree>
+    <p:extLst>
+      <p:ext uri="{BB962C8B-B14F-4D97-AF65-F5344CB8AC3E}">
+        <p14:creationId xmlns:p14="http://schemas.microsoft.com/office/powerpoint/2010/main" val="4154100494"/>
+      </p:ext>
+    </p:extLst>
+  </p:cSld>
+  <p:clrMapOvr>
+    <a:masterClrMapping/>
+  </p:clrMapOvr>
+</p:sld>
+</file>
+
+<file path=ppt/slides/slide6.xml><?xml version="1.0" encoding="utf-8"?>
+<p:sld xmlns:a="http://schemas.openxmlformats.org/drawingml/2006/main" xmlns:r="http://schemas.openxmlformats.org/officeDocument/2006/relationships" xmlns:p="http://schemas.openxmlformats.org/presentationml/2006/main">
+  <p:cSld>
+    <p:spTree>
+      <p:nvGrpSpPr>
+        <p:cNvPr id="1" name=""/>
+        <p:cNvGrpSpPr/>
+        <p:nvPr/>
+      </p:nvGrpSpPr>
+      <p:grpSpPr>
+        <a:xfrm>
+          <a:off x="0" y="0"/>
+          <a:ext cx="0" cy="0"/>
+          <a:chOff x="0" y="0"/>
+          <a:chExt cx="0" cy="0"/>
+        </a:xfrm>
+      </p:grpSpPr>
+      <p:sp>
+        <p:nvSpPr>
+          <p:cNvPr id="2" name="제목 1">
+            <a:extLst>
+              <a:ext uri="{FF2B5EF4-FFF2-40B4-BE49-F238E27FC236}">
+                <a16:creationId xmlns:a16="http://schemas.microsoft.com/office/drawing/2014/main" id="{CDC68519-E72F-8AA9-404A-3F283F6CE9BF}"/>
+              </a:ext>
+            </a:extLst>
+          </p:cNvPr>
+          <p:cNvSpPr>
+            <a:spLocks noGrp="1"/>
+          </p:cNvSpPr>
+          <p:nvPr>
+            <p:ph type="title"/>
+          </p:nvPr>
+        </p:nvSpPr>
+        <p:spPr>
+          <a:xfrm>
+            <a:off x="838200" y="365126"/>
+            <a:ext cx="8115300" cy="863600"/>
+          </a:xfrm>
+        </p:spPr>
+        <p:txBody>
+          <a:bodyPr/>
+          <a:lstStyle/>
+          <a:p>
+            <a:r>
+              <a:rPr lang="en-US" altLang="ko-KR" dirty="0" err="1"/>
+              <a:t>SiteMap</a:t>
+            </a:r>
+            <a:r>
+              <a:rPr lang="en-US" altLang="ko-KR" dirty="0"/>
+              <a:t> </a:t>
+            </a:r>
+            <a:r>
+              <a:rPr lang="ko-KR" altLang="en-US" dirty="0"/>
+              <a:t>디자인 설계</a:t>
+            </a:r>
+          </a:p>
+        </p:txBody>
+      </p:sp>
+      <p:pic>
+        <p:nvPicPr>
+          <p:cNvPr id="6" name="그림 5">
+            <a:extLst>
+              <a:ext uri="{FF2B5EF4-FFF2-40B4-BE49-F238E27FC236}">
+                <a16:creationId xmlns:a16="http://schemas.microsoft.com/office/drawing/2014/main" id="{0D0F1B30-3915-2F57-98CC-6FCAEADFE4A4}"/>
+              </a:ext>
+            </a:extLst>
+          </p:cNvPr>
+          <p:cNvPicPr>
+            <a:picLocks noChangeAspect="1"/>
+          </p:cNvPicPr>
+          <p:nvPr/>
+        </p:nvPicPr>
+        <p:blipFill>
+          <a:blip r:embed="rId2"/>
+          <a:stretch>
+            <a:fillRect/>
+          </a:stretch>
+        </p:blipFill>
+        <p:spPr>
+          <a:xfrm>
+            <a:off x="838200" y="1377722"/>
+            <a:ext cx="7724775" cy="4965927"/>
+          </a:xfrm>
+          <a:prstGeom prst="rect">
+            <a:avLst/>
+          </a:prstGeom>
+        </p:spPr>
+      </p:pic>
+    </p:spTree>
+    <p:extLst>
+      <p:ext uri="{BB962C8B-B14F-4D97-AF65-F5344CB8AC3E}">
+        <p14:creationId xmlns:p14="http://schemas.microsoft.com/office/powerpoint/2010/main" val="1887159152"/>
+      </p:ext>
+    </p:extLst>
+  </p:cSld>
+  <p:clrMapOvr>
+    <a:masterClrMapping/>
+  </p:clrMapOvr>
+</p:sld>
+</file>
+
+<file path=ppt/slides/slide7.xml><?xml version="1.0" encoding="utf-8"?>
+<p:sld xmlns:a="http://schemas.openxmlformats.org/drawingml/2006/main" xmlns:r="http://schemas.openxmlformats.org/officeDocument/2006/relationships" xmlns:p="http://schemas.openxmlformats.org/presentationml/2006/main">
+  <p:cSld>
+    <p:spTree>
+      <p:nvGrpSpPr>
+        <p:cNvPr id="1" name=""/>
+        <p:cNvGrpSpPr/>
+        <p:nvPr/>
+      </p:nvGrpSpPr>
+      <p:grpSpPr>
+        <a:xfrm>
+          <a:off x="0" y="0"/>
+          <a:ext cx="0" cy="0"/>
+          <a:chOff x="0" y="0"/>
+          <a:chExt cx="0" cy="0"/>
+        </a:xfrm>
+      </p:grpSpPr>
+      <p:sp>
+        <p:nvSpPr>
+          <p:cNvPr id="2" name="제목 1">
+            <a:extLst>
+              <a:ext uri="{FF2B5EF4-FFF2-40B4-BE49-F238E27FC236}">
+                <a16:creationId xmlns:a16="http://schemas.microsoft.com/office/drawing/2014/main" id="{F9148BF5-35F2-5D53-FD05-5D5911CDC5D0}"/>
+              </a:ext>
+            </a:extLst>
+          </p:cNvPr>
+          <p:cNvSpPr>
+            <a:spLocks noGrp="1"/>
+          </p:cNvSpPr>
+          <p:nvPr>
+            <p:ph type="title"/>
+          </p:nvPr>
+        </p:nvSpPr>
+        <p:spPr/>
+        <p:txBody>
+          <a:bodyPr/>
+          <a:lstStyle/>
+          <a:p>
+            <a:r>
+              <a:rPr lang="en-US" altLang="ko-KR" dirty="0"/>
+              <a:t>Notice </a:t>
+            </a:r>
+            <a:r>
+              <a:rPr lang="ko-KR" altLang="en-US" dirty="0"/>
+              <a:t>디자인 설계</a:t>
+            </a:r>
+          </a:p>
+        </p:txBody>
+      </p:sp>
+      <p:pic>
+        <p:nvPicPr>
+          <p:cNvPr id="4" name="그림 3">
+            <a:extLst>
+              <a:ext uri="{FF2B5EF4-FFF2-40B4-BE49-F238E27FC236}">
+                <a16:creationId xmlns:a16="http://schemas.microsoft.com/office/drawing/2014/main" id="{811D5365-A433-BA32-45F2-A59E8A4B1C05}"/>
+              </a:ext>
+            </a:extLst>
+          </p:cNvPr>
+          <p:cNvPicPr>
+            <a:picLocks noChangeAspect="1"/>
+          </p:cNvPicPr>
+          <p:nvPr/>
+        </p:nvPicPr>
+        <p:blipFill>
+          <a:blip r:embed="rId2"/>
+          <a:stretch>
+            <a:fillRect/>
+          </a:stretch>
+        </p:blipFill>
+        <p:spPr>
+          <a:xfrm>
+            <a:off x="838200" y="1588180"/>
+            <a:ext cx="7629525" cy="4904695"/>
+          </a:xfrm>
+          <a:prstGeom prst="rect">
+            <a:avLst/>
+          </a:prstGeom>
+        </p:spPr>
+      </p:pic>
+    </p:spTree>
+    <p:extLst>
+      <p:ext uri="{BB962C8B-B14F-4D97-AF65-F5344CB8AC3E}">
+        <p14:creationId xmlns:p14="http://schemas.microsoft.com/office/powerpoint/2010/main" val="207249501"/>
+      </p:ext>
+    </p:extLst>
+  </p:cSld>
+  <p:clrMapOvr>
+    <a:masterClrMapping/>
+  </p:clrMapOvr>
+</p:sld>
+</file>
+
+<file path=ppt/slides/slide8.xml><?xml version="1.0" encoding="utf-8"?>
+<p:sld xmlns:a="http://schemas.openxmlformats.org/drawingml/2006/main" xmlns:r="http://schemas.openxmlformats.org/officeDocument/2006/relationships" xmlns:p="http://schemas.openxmlformats.org/presentationml/2006/main">
+  <p:cSld>
+    <p:spTree>
+      <p:nvGrpSpPr>
+        <p:cNvPr id="1" name=""/>
+        <p:cNvGrpSpPr/>
+        <p:nvPr/>
+      </p:nvGrpSpPr>
+      <p:grpSpPr>
+        <a:xfrm>
+          <a:off x="0" y="0"/>
+          <a:ext cx="0" cy="0"/>
+          <a:chOff x="0" y="0"/>
+          <a:chExt cx="0" cy="0"/>
+        </a:xfrm>
+      </p:grpSpPr>
+      <p:sp>
+        <p:nvSpPr>
+          <p:cNvPr id="2" name="제목 1">
+            <a:extLst>
+              <a:ext uri="{FF2B5EF4-FFF2-40B4-BE49-F238E27FC236}">
+                <a16:creationId xmlns:a16="http://schemas.microsoft.com/office/drawing/2014/main" id="{5BFF5B04-B6B9-E78E-0F80-A228FE2DC8EC}"/>
+              </a:ext>
+            </a:extLst>
+          </p:cNvPr>
+          <p:cNvSpPr>
+            <a:spLocks noGrp="1"/>
+          </p:cNvSpPr>
+          <p:nvPr>
+            <p:ph type="title"/>
+          </p:nvPr>
+        </p:nvSpPr>
+        <p:spPr/>
+        <p:txBody>
+          <a:bodyPr/>
+          <a:lstStyle/>
+          <a:p>
+            <a:r>
+              <a:rPr lang="en-US" altLang="ko-KR" dirty="0" err="1"/>
+              <a:t>SchoolMeal</a:t>
+            </a:r>
+            <a:r>
+              <a:rPr lang="ko-KR" altLang="en-US" dirty="0"/>
+              <a:t> 디자인 설계</a:t>
+            </a:r>
+          </a:p>
+        </p:txBody>
+      </p:sp>
+      <p:pic>
+        <p:nvPicPr>
+          <p:cNvPr id="10" name="그림 9">
+            <a:extLst>
+              <a:ext uri="{FF2B5EF4-FFF2-40B4-BE49-F238E27FC236}">
+                <a16:creationId xmlns:a16="http://schemas.microsoft.com/office/drawing/2014/main" id="{B50B65E1-081F-8957-471C-31F8A10E9E37}"/>
+              </a:ext>
+            </a:extLst>
+          </p:cNvPr>
+          <p:cNvPicPr>
+            <a:picLocks noChangeAspect="1"/>
+          </p:cNvPicPr>
+          <p:nvPr/>
+        </p:nvPicPr>
+        <p:blipFill>
+          <a:blip r:embed="rId2"/>
+          <a:stretch>
+            <a:fillRect/>
+          </a:stretch>
+        </p:blipFill>
+        <p:spPr>
+          <a:xfrm>
+            <a:off x="838200" y="1443038"/>
+            <a:ext cx="8038041" cy="5167312"/>
+          </a:xfrm>
+          <a:prstGeom prst="rect">
+            <a:avLst/>
+          </a:prstGeom>
+        </p:spPr>
+      </p:pic>
+    </p:spTree>
+    <p:extLst>
+      <p:ext uri="{BB962C8B-B14F-4D97-AF65-F5344CB8AC3E}">
+        <p14:creationId xmlns:p14="http://schemas.microsoft.com/office/powerpoint/2010/main" val="1121341940"/>
+      </p:ext>
+    </p:extLst>
+  </p:cSld>
+  <p:clrMapOvr>
+    <a:masterClrMapping/>
+  </p:clrMapOvr>
+</p:sld>
+</file>
+
+<file path=ppt/slides/slide9.xml><?xml version="1.0" encoding="utf-8"?>
+<p:sld xmlns:a="http://schemas.openxmlformats.org/drawingml/2006/main" xmlns:r="http://schemas.openxmlformats.org/officeDocument/2006/relationships" xmlns:p="http://schemas.openxmlformats.org/presentationml/2006/main">
+  <p:cSld>
+    <p:spTree>
+      <p:nvGrpSpPr>
+        <p:cNvPr id="1" name=""/>
+        <p:cNvGrpSpPr/>
+        <p:nvPr/>
+      </p:nvGrpSpPr>
+      <p:grpSpPr>
+        <a:xfrm>
+          <a:off x="0" y="0"/>
+          <a:ext cx="0" cy="0"/>
+          <a:chOff x="0" y="0"/>
+          <a:chExt cx="0" cy="0"/>
+        </a:xfrm>
+      </p:grpSpPr>
+      <p:sp>
+        <p:nvSpPr>
+          <p:cNvPr id="2" name="제목 1">
+            <a:extLst>
+              <a:ext uri="{FF2B5EF4-FFF2-40B4-BE49-F238E27FC236}">
+                <a16:creationId xmlns:a16="http://schemas.microsoft.com/office/drawing/2014/main" id="{2ED7DDB5-FFF5-A75D-B42E-9EE3C0141E0E}"/>
+              </a:ext>
+            </a:extLst>
+          </p:cNvPr>
+          <p:cNvSpPr>
+            <a:spLocks noGrp="1"/>
+          </p:cNvSpPr>
+          <p:nvPr>
+            <p:ph type="title"/>
+          </p:nvPr>
+        </p:nvSpPr>
+        <p:spPr/>
+        <p:txBody>
+          <a:bodyPr/>
+          <a:lstStyle/>
+          <a:p>
+            <a:r>
+              <a:rPr lang="en-US" altLang="ko-KR" dirty="0"/>
+              <a:t>Board-Detail </a:t>
+            </a:r>
+            <a:r>
+              <a:rPr lang="ko-KR" altLang="en-US" dirty="0"/>
+              <a:t>디자인 설계</a:t>
+            </a:r>
+          </a:p>
+        </p:txBody>
+      </p:sp>
+      <p:pic>
+        <p:nvPicPr>
+          <p:cNvPr id="8" name="그림 7">
+            <a:extLst>
+              <a:ext uri="{FF2B5EF4-FFF2-40B4-BE49-F238E27FC236}">
+                <a16:creationId xmlns:a16="http://schemas.microsoft.com/office/drawing/2014/main" id="{565E447A-4B33-0B0F-F8B1-54D2EA3821E2}"/>
+              </a:ext>
+            </a:extLst>
+          </p:cNvPr>
+          <p:cNvPicPr>
+            <a:picLocks noChangeAspect="1"/>
+          </p:cNvPicPr>
+          <p:nvPr/>
+        </p:nvPicPr>
+        <p:blipFill>
+          <a:blip r:embed="rId2"/>
+          <a:stretch>
+            <a:fillRect/>
+          </a:stretch>
+        </p:blipFill>
+        <p:spPr>
+          <a:xfrm>
+            <a:off x="838200" y="1370920"/>
+            <a:ext cx="8239125" cy="5296580"/>
+          </a:xfrm>
+          <a:prstGeom prst="rect">
+            <a:avLst/>
+          </a:prstGeom>
+        </p:spPr>
+      </p:pic>
+    </p:spTree>
+    <p:extLst>
+      <p:ext uri="{BB962C8B-B14F-4D97-AF65-F5344CB8AC3E}">
+        <p14:creationId xmlns:p14="http://schemas.microsoft.com/office/powerpoint/2010/main" val="4161244935"/>
       </p:ext>
     </p:extLst>
   </p:cSld>
